--- a/15-final-presentation.pptx
+++ b/15-final-presentation.pptx
@@ -121,6 +121,11 @@
       </a:defRPr>
     </a:lvl9pPr>
   </p:defaultTextStyle>
+  <p:extLst>
+    <p:ext uri="{EFAFB233-063F-42B5-8137-9DF3F51BA10A}">
+      <p15:sldGuideLst xmlns:p15="http://schemas.microsoft.com/office/powerpoint/2012/main"/>
+    </p:ext>
+  </p:extLst>
 </p:presentation>
 </file>
 
@@ -7207,7 +7212,7 @@
             </a:r>
             <a:r>
               <a:rPr lang="en-IN" sz="2000" dirty="0"/>
-              <a:t> from 0.585 to 0.85. We are able to achieve almost equivalent results of benchmark[1] and our novel model architecture implementations are beating some of the baselines mentioned in [1]. We have applied experiments on Irony and Sarcasm datasets and compared with benchmarks. We also successfully trained irony and sarcasm detection for code mix “Hinglish” data.</a:t>
+              <a:t> from 0.585 to 0.85. We are able to achieve almost equivalent results of benchmark[1] and our novel model architecture implementations are beating some of the baselines mentioned in [1] despite not having code access to the benchmark models. We have applied experiments on Irony and Sarcasm datasets and compared with benchmarks. We also successfully trained irony and sarcasm detection for code mix “Hinglish” data.</a:t>
             </a:r>
             <a:br>
               <a:rPr lang="en-IN" sz="1800" dirty="0">

--- a/15-final-presentation.pptx
+++ b/15-final-presentation.pptx
@@ -7047,7 +7047,7 @@
         <p:spPr>
           <a:xfrm>
             <a:off x="838199" y="1329426"/>
-            <a:ext cx="11182815" cy="4031873"/>
+            <a:ext cx="11182815" cy="4401205"/>
           </a:xfrm>
           <a:prstGeom prst="rect">
             <a:avLst/>
@@ -7062,9 +7062,13 @@
           <a:p>
             <a:pPr algn="l"/>
             <a:r>
-              <a:rPr lang="en-US" sz="2800" dirty="0"/>
+              <a:rPr lang="en-US" sz="2000" dirty="0"/>
               <a:t>"After closely studying the problem, we identified several potential improvements worth exploring:</a:t>
             </a:r>
+            <a:br>
+              <a:rPr lang="en-US" sz="2000" dirty="0"/>
+            </a:br>
+            <a:endParaRPr lang="en-US" sz="2000" dirty="0"/>
           </a:p>
           <a:p>
             <a:pPr algn="l"/>
@@ -7089,6 +7093,17 @@
             </a:r>
           </a:p>
           <a:p>
+            <a:r>
+              <a:rPr lang="en-US" sz="2000" b="1"/>
+              <a:t>Data Cleaning:</a:t>
+            </a:r>
+            <a:r>
+              <a:rPr lang="en-US" sz="2000"/>
+              <a:t> Clean the label errors with state of the art confident learning algorithms that estimate label noises.</a:t>
+            </a:r>
+            <a:endParaRPr lang="en-US" sz="2000" dirty="0"/>
+          </a:p>
+          <a:p>
             <a:pPr algn="l"/>
             <a:r>
               <a:rPr lang="en-US" sz="2000" b="1" dirty="0"/>
@@ -7107,7 +7122,7 @@
             </a:r>
             <a:r>
               <a:rPr lang="en-US" sz="2000" dirty="0"/>
-              <a:t>We also recommend further tuning of hyperparameters, especially when experimenting with different model embeddings."</a:t>
+              <a:t>We also recommend further tuning of hyperparameters, especially when experimenting with different model embeddings.“</a:t>
             </a:r>
           </a:p>
         </p:txBody>
